--- a/Base de données/Section 2 - Langage SQL/Partie 1 - Introduction à SQL/P1-Installation de SQL Server/Résultats/halima ES-sebyty/Présentation de SQL Server.pptx
+++ b/Base de données/Section 2 - Langage SQL/Partie 1 - Introduction à SQL/P1-Installation de SQL Server/Résultats/halima ES-sebyty/Présentation de SQL Server.pptx
@@ -7,19 +7,6 @@
   <p:sldIdLst>
     <p:sldId id="256" r:id="rId2"/>
     <p:sldId id="257" r:id="rId3"/>
-    <p:sldId id="258" r:id="rId4"/>
-    <p:sldId id="259" r:id="rId5"/>
-    <p:sldId id="260" r:id="rId6"/>
-    <p:sldId id="261" r:id="rId7"/>
-    <p:sldId id="262" r:id="rId8"/>
-    <p:sldId id="263" r:id="rId9"/>
-    <p:sldId id="264" r:id="rId10"/>
-    <p:sldId id="265" r:id="rId11"/>
-    <p:sldId id="266" r:id="rId12"/>
-    <p:sldId id="267" r:id="rId13"/>
-    <p:sldId id="268" r:id="rId14"/>
-    <p:sldId id="269" r:id="rId15"/>
-    <p:sldId id="270" r:id="rId16"/>
   </p:sldIdLst>
   <p:sldSz cx="9144000" cy="6858000" type="screen4x3"/>
   <p:notesSz cx="6858000" cy="9144000"/>
@@ -256,7 +243,7 @@
             <a:fld id="{65A1BB4B-C61F-4658-A4B2-35A853265183}" type="datetimeFigureOut">
               <a:rPr lang="fr-FR" smtClean="0"/>
               <a:pPr/>
-              <a:t>21/09/2019</a:t>
+              <a:t>24/09/2019</a:t>
             </a:fld>
             <a:endParaRPr lang="fr-FR"/>
           </a:p>
@@ -571,7 +558,7 @@
             <a:fld id="{65A1BB4B-C61F-4658-A4B2-35A853265183}" type="datetimeFigureOut">
               <a:rPr lang="fr-FR" smtClean="0"/>
               <a:pPr/>
-              <a:t>21/09/2019</a:t>
+              <a:t>24/09/2019</a:t>
             </a:fld>
             <a:endParaRPr lang="fr-FR"/>
           </a:p>
@@ -758,7 +745,7 @@
             <a:fld id="{65A1BB4B-C61F-4658-A4B2-35A853265183}" type="datetimeFigureOut">
               <a:rPr lang="fr-FR" smtClean="0"/>
               <a:pPr/>
-              <a:t>21/09/2019</a:t>
+              <a:t>24/09/2019</a:t>
             </a:fld>
             <a:endParaRPr lang="fr-FR"/>
           </a:p>
@@ -935,7 +922,7 @@
             <a:fld id="{65A1BB4B-C61F-4658-A4B2-35A853265183}" type="datetimeFigureOut">
               <a:rPr lang="fr-FR" smtClean="0"/>
               <a:pPr/>
-              <a:t>21/09/2019</a:t>
+              <a:t>24/09/2019</a:t>
             </a:fld>
             <a:endParaRPr lang="fr-FR"/>
           </a:p>
@@ -1205,7 +1192,7 @@
             <a:fld id="{65A1BB4B-C61F-4658-A4B2-35A853265183}" type="datetimeFigureOut">
               <a:rPr lang="fr-FR" smtClean="0"/>
               <a:pPr/>
-              <a:t>21/09/2019</a:t>
+              <a:t>24/09/2019</a:t>
             </a:fld>
             <a:endParaRPr lang="fr-FR"/>
           </a:p>
@@ -1675,7 +1662,7 @@
             <a:fld id="{65A1BB4B-C61F-4658-A4B2-35A853265183}" type="datetimeFigureOut">
               <a:rPr lang="fr-FR" smtClean="0"/>
               <a:pPr/>
-              <a:t>21/09/2019</a:t>
+              <a:t>24/09/2019</a:t>
             </a:fld>
             <a:endParaRPr lang="fr-FR"/>
           </a:p>
@@ -2166,7 +2153,7 @@
             <a:fld id="{65A1BB4B-C61F-4658-A4B2-35A853265183}" type="datetimeFigureOut">
               <a:rPr lang="fr-FR" smtClean="0"/>
               <a:pPr/>
-              <a:t>21/09/2019</a:t>
+              <a:t>24/09/2019</a:t>
             </a:fld>
             <a:endParaRPr lang="fr-FR"/>
           </a:p>
@@ -2294,7 +2281,7 @@
             <a:fld id="{65A1BB4B-C61F-4658-A4B2-35A853265183}" type="datetimeFigureOut">
               <a:rPr lang="fr-FR" smtClean="0"/>
               <a:pPr/>
-              <a:t>21/09/2019</a:t>
+              <a:t>24/09/2019</a:t>
             </a:fld>
             <a:endParaRPr lang="fr-FR"/>
           </a:p>
@@ -2440,7 +2427,7 @@
             <a:fld id="{65A1BB4B-C61F-4658-A4B2-35A853265183}" type="datetimeFigureOut">
               <a:rPr lang="fr-FR" smtClean="0"/>
               <a:pPr/>
-              <a:t>21/09/2019</a:t>
+              <a:t>24/09/2019</a:t>
             </a:fld>
             <a:endParaRPr lang="fr-FR"/>
           </a:p>
@@ -2764,7 +2751,7 @@
             <a:fld id="{65A1BB4B-C61F-4658-A4B2-35A853265183}" type="datetimeFigureOut">
               <a:rPr lang="fr-FR" smtClean="0"/>
               <a:pPr/>
-              <a:t>21/09/2019</a:t>
+              <a:t>24/09/2019</a:t>
             </a:fld>
             <a:endParaRPr lang="fr-FR"/>
           </a:p>
@@ -2900,7 +2887,7 @@
             <a:fld id="{65A1BB4B-C61F-4658-A4B2-35A853265183}" type="datetimeFigureOut">
               <a:rPr lang="fr-FR" smtClean="0"/>
               <a:pPr/>
-              <a:t>21/09/2019</a:t>
+              <a:t>24/09/2019</a:t>
             </a:fld>
             <a:endParaRPr lang="fr-FR"/>
           </a:p>
@@ -3683,7 +3670,7 @@
             <a:fld id="{65A1BB4B-C61F-4658-A4B2-35A853265183}" type="datetimeFigureOut">
               <a:rPr lang="fr-FR" smtClean="0"/>
               <a:pPr/>
-              <a:t>21/09/2019</a:t>
+              <a:t>24/09/2019</a:t>
             </a:fld>
             <a:endParaRPr lang="fr-FR"/>
           </a:p>
@@ -4247,23 +4234,7 @@
                   <a:schemeClr val="tx1"/>
                 </a:solidFill>
               </a:rPr>
-              <a:t>Microsoft SQL </a:t>
-            </a:r>
-            <a:r>
-              <a:rPr lang="fr-FR" dirty="0" smtClean="0">
-                <a:solidFill>
-                  <a:schemeClr val="tx1"/>
-                </a:solidFill>
-              </a:rPr>
-              <a:t>Server, </a:t>
-            </a:r>
-            <a:r>
-              <a:rPr lang="fr-FR" dirty="0" smtClean="0">
-                <a:solidFill>
-                  <a:schemeClr val="tx1"/>
-                </a:solidFill>
-              </a:rPr>
-              <a:t>est un système de gestion de base de données (SGBD) en langage SQL incorporant entre autres un SGBDR (SGBD </a:t>
+              <a:t>Microsoft SQL Server, est un système de gestion de base de données (SGBD) en langage SQL incorporant entre autres un SGBDR (SGBD </a:t>
             </a:r>
             <a:r>
               <a:rPr lang="fr-FR" dirty="0" smtClean="0">
@@ -4279,23 +4250,7 @@
                   <a:schemeClr val="tx1"/>
                 </a:solidFill>
               </a:rPr>
-              <a:t> </a:t>
-            </a:r>
-            <a:r>
-              <a:rPr lang="fr-FR" dirty="0" smtClean="0">
-                <a:solidFill>
-                  <a:schemeClr val="tx1"/>
-                </a:solidFill>
-              </a:rPr>
-              <a:t>). développé </a:t>
-            </a:r>
-            <a:r>
-              <a:rPr lang="fr-FR" dirty="0" smtClean="0">
-                <a:solidFill>
-                  <a:schemeClr val="tx1"/>
-                </a:solidFill>
-              </a:rPr>
-              <a:t>et commercialisé par la société Microsoft.</a:t>
+              <a:t> ). développé et commercialisé par la société Microsoft.</a:t>
             </a:r>
             <a:endParaRPr lang="fr-FR" dirty="0">
               <a:solidFill>
@@ -4311,600 +4266,6 @@
         <p14:creationId xmlns="" xmlns:p14="http://schemas.microsoft.com/office/powerpoint/2010/main" val="1073484037"/>
       </p:ext>
     </p:extLst>
-  </p:cSld>
-  <p:clrMapOvr>
-    <a:masterClrMapping/>
-  </p:clrMapOvr>
-  <p:timing>
-    <p:tnLst>
-      <p:par>
-        <p:cTn id="1" dur="indefinite" restart="never" nodeType="tmRoot"/>
-      </p:par>
-    </p:tnLst>
-  </p:timing>
-</p:sld>
-</file>
-
-<file path=ppt/slides/slide10.xml><?xml version="1.0" encoding="utf-8"?>
-<p:sld xmlns:a="http://schemas.openxmlformats.org/drawingml/2006/main" xmlns:r="http://schemas.openxmlformats.org/officeDocument/2006/relationships" xmlns:p="http://schemas.openxmlformats.org/presentationml/2006/main">
-  <p:cSld>
-    <p:spTree>
-      <p:nvGrpSpPr>
-        <p:cNvPr id="1" name=""/>
-        <p:cNvGrpSpPr/>
-        <p:nvPr/>
-      </p:nvGrpSpPr>
-      <p:grpSpPr>
-        <a:xfrm>
-          <a:off x="0" y="0"/>
-          <a:ext cx="0" cy="0"/>
-          <a:chOff x="0" y="0"/>
-          <a:chExt cx="0" cy="0"/>
-        </a:xfrm>
-      </p:grpSpPr>
-      <p:sp>
-        <p:nvSpPr>
-          <p:cNvPr id="2" name="Titre 1"/>
-          <p:cNvSpPr>
-            <a:spLocks noGrp="1"/>
-          </p:cNvSpPr>
-          <p:nvPr>
-            <p:ph type="title"/>
-          </p:nvPr>
-        </p:nvSpPr>
-        <p:spPr/>
-        <p:txBody>
-          <a:bodyPr/>
-          <a:lstStyle/>
-          <a:p>
-            <a:endParaRPr lang="fr-FR"/>
-          </a:p>
-        </p:txBody>
-      </p:sp>
-      <p:pic>
-        <p:nvPicPr>
-          <p:cNvPr id="5" name="Espace réservé pour une image  4" descr="Capture8.PNG"/>
-          <p:cNvPicPr>
-            <a:picLocks noGrp="1" noChangeAspect="1"/>
-          </p:cNvPicPr>
-          <p:nvPr>
-            <p:ph type="pic" idx="1"/>
-          </p:nvPr>
-        </p:nvPicPr>
-        <p:blipFill>
-          <a:blip r:embed="rId2"/>
-          <a:srcRect l="3777" r="3777"/>
-          <a:stretch>
-            <a:fillRect/>
-          </a:stretch>
-        </p:blipFill>
-        <p:spPr>
-          <a:xfrm>
-            <a:off x="357158" y="714356"/>
-            <a:ext cx="8358246" cy="5715040"/>
-          </a:xfrm>
-        </p:spPr>
-      </p:pic>
-      <p:sp>
-        <p:nvSpPr>
-          <p:cNvPr id="4" name="Espace réservé du texte 3"/>
-          <p:cNvSpPr>
-            <a:spLocks noGrp="1"/>
-          </p:cNvSpPr>
-          <p:nvPr>
-            <p:ph type="body" sz="half" idx="2"/>
-          </p:nvPr>
-        </p:nvSpPr>
-        <p:spPr>
-          <a:xfrm>
-            <a:off x="3071802" y="2786058"/>
-            <a:ext cx="4419600" cy="762000"/>
-          </a:xfrm>
-        </p:spPr>
-        <p:txBody>
-          <a:bodyPr/>
-          <a:lstStyle/>
-          <a:p>
-            <a:r>
-              <a:rPr lang="en-US" dirty="0" smtClean="0"/>
-              <a:t>.</a:t>
-            </a:r>
-            <a:endParaRPr lang="fr-FR" dirty="0"/>
-          </a:p>
-        </p:txBody>
-      </p:sp>
-    </p:spTree>
-  </p:cSld>
-  <p:clrMapOvr>
-    <a:masterClrMapping/>
-  </p:clrMapOvr>
-  <p:timing>
-    <p:tnLst>
-      <p:par>
-        <p:cTn id="1" dur="indefinite" restart="never" nodeType="tmRoot"/>
-      </p:par>
-    </p:tnLst>
-  </p:timing>
-</p:sld>
-</file>
-
-<file path=ppt/slides/slide11.xml><?xml version="1.0" encoding="utf-8"?>
-<p:sld xmlns:a="http://schemas.openxmlformats.org/drawingml/2006/main" xmlns:r="http://schemas.openxmlformats.org/officeDocument/2006/relationships" xmlns:p="http://schemas.openxmlformats.org/presentationml/2006/main">
-  <p:cSld>
-    <p:spTree>
-      <p:nvGrpSpPr>
-        <p:cNvPr id="1" name=""/>
-        <p:cNvGrpSpPr/>
-        <p:nvPr/>
-      </p:nvGrpSpPr>
-      <p:grpSpPr>
-        <a:xfrm>
-          <a:off x="0" y="0"/>
-          <a:ext cx="0" cy="0"/>
-          <a:chOff x="0" y="0"/>
-          <a:chExt cx="0" cy="0"/>
-        </a:xfrm>
-      </p:grpSpPr>
-      <p:sp>
-        <p:nvSpPr>
-          <p:cNvPr id="2" name="Titre 1"/>
-          <p:cNvSpPr>
-            <a:spLocks noGrp="1"/>
-          </p:cNvSpPr>
-          <p:nvPr>
-            <p:ph type="title"/>
-          </p:nvPr>
-        </p:nvSpPr>
-        <p:spPr/>
-        <p:txBody>
-          <a:bodyPr/>
-          <a:lstStyle/>
-          <a:p>
-            <a:endParaRPr lang="fr-FR"/>
-          </a:p>
-        </p:txBody>
-      </p:sp>
-      <p:pic>
-        <p:nvPicPr>
-          <p:cNvPr id="5" name="Espace réservé pour une image  4" descr="Capture9.PNG"/>
-          <p:cNvPicPr>
-            <a:picLocks noGrp="1" noChangeAspect="1"/>
-          </p:cNvPicPr>
-          <p:nvPr>
-            <p:ph type="pic" idx="1"/>
-          </p:nvPr>
-        </p:nvPicPr>
-        <p:blipFill>
-          <a:blip r:embed="rId2"/>
-          <a:srcRect l="1899" r="1899"/>
-          <a:stretch>
-            <a:fillRect/>
-          </a:stretch>
-        </p:blipFill>
-        <p:spPr>
-          <a:xfrm>
-            <a:off x="500034" y="428603"/>
-            <a:ext cx="8215370" cy="5929355"/>
-          </a:xfrm>
-        </p:spPr>
-      </p:pic>
-      <p:sp>
-        <p:nvSpPr>
-          <p:cNvPr id="4" name="Espace réservé du texte 3"/>
-          <p:cNvSpPr>
-            <a:spLocks noGrp="1"/>
-          </p:cNvSpPr>
-          <p:nvPr>
-            <p:ph type="body" sz="half" idx="2"/>
-          </p:nvPr>
-        </p:nvSpPr>
-        <p:spPr/>
-        <p:txBody>
-          <a:bodyPr/>
-          <a:lstStyle/>
-          <a:p>
-            <a:r>
-              <a:rPr lang="en-US" dirty="0" smtClean="0"/>
-              <a:t>.</a:t>
-            </a:r>
-            <a:endParaRPr lang="fr-FR" dirty="0"/>
-          </a:p>
-        </p:txBody>
-      </p:sp>
-    </p:spTree>
-  </p:cSld>
-  <p:clrMapOvr>
-    <a:masterClrMapping/>
-  </p:clrMapOvr>
-  <p:timing>
-    <p:tnLst>
-      <p:par>
-        <p:cTn id="1" dur="indefinite" restart="never" nodeType="tmRoot"/>
-      </p:par>
-    </p:tnLst>
-  </p:timing>
-</p:sld>
-</file>
-
-<file path=ppt/slides/slide12.xml><?xml version="1.0" encoding="utf-8"?>
-<p:sld xmlns:a="http://schemas.openxmlformats.org/drawingml/2006/main" xmlns:r="http://schemas.openxmlformats.org/officeDocument/2006/relationships" xmlns:p="http://schemas.openxmlformats.org/presentationml/2006/main">
-  <p:cSld>
-    <p:spTree>
-      <p:nvGrpSpPr>
-        <p:cNvPr id="1" name=""/>
-        <p:cNvGrpSpPr/>
-        <p:nvPr/>
-      </p:nvGrpSpPr>
-      <p:grpSpPr>
-        <a:xfrm>
-          <a:off x="0" y="0"/>
-          <a:ext cx="0" cy="0"/>
-          <a:chOff x="0" y="0"/>
-          <a:chExt cx="0" cy="0"/>
-        </a:xfrm>
-      </p:grpSpPr>
-      <p:sp>
-        <p:nvSpPr>
-          <p:cNvPr id="2" name="Titre 1"/>
-          <p:cNvSpPr>
-            <a:spLocks noGrp="1"/>
-          </p:cNvSpPr>
-          <p:nvPr>
-            <p:ph type="title"/>
-          </p:nvPr>
-        </p:nvSpPr>
-        <p:spPr/>
-        <p:txBody>
-          <a:bodyPr/>
-          <a:lstStyle/>
-          <a:p>
-            <a:endParaRPr lang="fr-FR"/>
-          </a:p>
-        </p:txBody>
-      </p:sp>
-      <p:pic>
-        <p:nvPicPr>
-          <p:cNvPr id="5" name="Espace réservé pour une image  4" descr="Capture10.PNG"/>
-          <p:cNvPicPr>
-            <a:picLocks noGrp="1" noChangeAspect="1"/>
-          </p:cNvPicPr>
-          <p:nvPr>
-            <p:ph type="pic" idx="1"/>
-          </p:nvPr>
-        </p:nvPicPr>
-        <p:blipFill>
-          <a:blip r:embed="rId2"/>
-          <a:srcRect l="2752" r="2752"/>
-          <a:stretch>
-            <a:fillRect/>
-          </a:stretch>
-        </p:blipFill>
-        <p:spPr>
-          <a:xfrm>
-            <a:off x="500034" y="714356"/>
-            <a:ext cx="8143932" cy="5857915"/>
-          </a:xfrm>
-        </p:spPr>
-      </p:pic>
-      <p:sp>
-        <p:nvSpPr>
-          <p:cNvPr id="4" name="Espace réservé du texte 3"/>
-          <p:cNvSpPr>
-            <a:spLocks noGrp="1"/>
-          </p:cNvSpPr>
-          <p:nvPr>
-            <p:ph type="body" sz="half" idx="2"/>
-          </p:nvPr>
-        </p:nvSpPr>
-        <p:spPr/>
-        <p:txBody>
-          <a:bodyPr/>
-          <a:lstStyle/>
-          <a:p>
-            <a:r>
-              <a:rPr lang="en-US" dirty="0" smtClean="0"/>
-              <a:t>.</a:t>
-            </a:r>
-            <a:endParaRPr lang="fr-FR" dirty="0"/>
-          </a:p>
-        </p:txBody>
-      </p:sp>
-    </p:spTree>
-  </p:cSld>
-  <p:clrMapOvr>
-    <a:masterClrMapping/>
-  </p:clrMapOvr>
-  <p:timing>
-    <p:tnLst>
-      <p:par>
-        <p:cTn id="1" dur="indefinite" restart="never" nodeType="tmRoot"/>
-      </p:par>
-    </p:tnLst>
-  </p:timing>
-</p:sld>
-</file>
-
-<file path=ppt/slides/slide13.xml><?xml version="1.0" encoding="utf-8"?>
-<p:sld xmlns:a="http://schemas.openxmlformats.org/drawingml/2006/main" xmlns:r="http://schemas.openxmlformats.org/officeDocument/2006/relationships" xmlns:p="http://schemas.openxmlformats.org/presentationml/2006/main">
-  <p:cSld>
-    <p:spTree>
-      <p:nvGrpSpPr>
-        <p:cNvPr id="1" name=""/>
-        <p:cNvGrpSpPr/>
-        <p:nvPr/>
-      </p:nvGrpSpPr>
-      <p:grpSpPr>
-        <a:xfrm>
-          <a:off x="0" y="0"/>
-          <a:ext cx="0" cy="0"/>
-          <a:chOff x="0" y="0"/>
-          <a:chExt cx="0" cy="0"/>
-        </a:xfrm>
-      </p:grpSpPr>
-      <p:sp>
-        <p:nvSpPr>
-          <p:cNvPr id="2" name="Titre 1"/>
-          <p:cNvSpPr>
-            <a:spLocks noGrp="1"/>
-          </p:cNvSpPr>
-          <p:nvPr>
-            <p:ph type="title"/>
-          </p:nvPr>
-        </p:nvSpPr>
-        <p:spPr/>
-        <p:txBody>
-          <a:bodyPr/>
-          <a:lstStyle/>
-          <a:p>
-            <a:endParaRPr lang="fr-FR"/>
-          </a:p>
-        </p:txBody>
-      </p:sp>
-      <p:pic>
-        <p:nvPicPr>
-          <p:cNvPr id="5" name="Espace réservé pour une image  4" descr="Capture11.PNG"/>
-          <p:cNvPicPr>
-            <a:picLocks noGrp="1" noChangeAspect="1"/>
-          </p:cNvPicPr>
-          <p:nvPr>
-            <p:ph type="pic" idx="1"/>
-          </p:nvPr>
-        </p:nvPicPr>
-        <p:blipFill>
-          <a:blip r:embed="rId2"/>
-          <a:srcRect l="1972" r="1972"/>
-          <a:stretch>
-            <a:fillRect/>
-          </a:stretch>
-        </p:blipFill>
-        <p:spPr>
-          <a:xfrm>
-            <a:off x="500034" y="642918"/>
-            <a:ext cx="8286808" cy="5643601"/>
-          </a:xfrm>
-        </p:spPr>
-      </p:pic>
-      <p:sp>
-        <p:nvSpPr>
-          <p:cNvPr id="4" name="Espace réservé du texte 3"/>
-          <p:cNvSpPr>
-            <a:spLocks noGrp="1"/>
-          </p:cNvSpPr>
-          <p:nvPr>
-            <p:ph type="body" sz="half" idx="2"/>
-          </p:nvPr>
-        </p:nvSpPr>
-        <p:spPr/>
-        <p:txBody>
-          <a:bodyPr/>
-          <a:lstStyle/>
-          <a:p>
-            <a:r>
-              <a:rPr lang="en-US" dirty="0" smtClean="0"/>
-              <a:t>.</a:t>
-            </a:r>
-            <a:endParaRPr lang="fr-FR" dirty="0"/>
-          </a:p>
-        </p:txBody>
-      </p:sp>
-    </p:spTree>
-  </p:cSld>
-  <p:clrMapOvr>
-    <a:masterClrMapping/>
-  </p:clrMapOvr>
-  <p:timing>
-    <p:tnLst>
-      <p:par>
-        <p:cTn id="1" dur="indefinite" restart="never" nodeType="tmRoot"/>
-      </p:par>
-    </p:tnLst>
-  </p:timing>
-</p:sld>
-</file>
-
-<file path=ppt/slides/slide14.xml><?xml version="1.0" encoding="utf-8"?>
-<p:sld xmlns:a="http://schemas.openxmlformats.org/drawingml/2006/main" xmlns:r="http://schemas.openxmlformats.org/officeDocument/2006/relationships" xmlns:p="http://schemas.openxmlformats.org/presentationml/2006/main">
-  <p:cSld>
-    <p:spTree>
-      <p:nvGrpSpPr>
-        <p:cNvPr id="1" name=""/>
-        <p:cNvGrpSpPr/>
-        <p:nvPr/>
-      </p:nvGrpSpPr>
-      <p:grpSpPr>
-        <a:xfrm>
-          <a:off x="0" y="0"/>
-          <a:ext cx="0" cy="0"/>
-          <a:chOff x="0" y="0"/>
-          <a:chExt cx="0" cy="0"/>
-        </a:xfrm>
-      </p:grpSpPr>
-      <p:sp>
-        <p:nvSpPr>
-          <p:cNvPr id="2" name="Titre 1"/>
-          <p:cNvSpPr>
-            <a:spLocks noGrp="1"/>
-          </p:cNvSpPr>
-          <p:nvPr>
-            <p:ph type="title"/>
-          </p:nvPr>
-        </p:nvSpPr>
-        <p:spPr/>
-        <p:txBody>
-          <a:bodyPr/>
-          <a:lstStyle/>
-          <a:p>
-            <a:endParaRPr lang="fr-FR"/>
-          </a:p>
-        </p:txBody>
-      </p:sp>
-      <p:pic>
-        <p:nvPicPr>
-          <p:cNvPr id="5" name="Espace réservé pour une image  4" descr="Capture12.PNG"/>
-          <p:cNvPicPr>
-            <a:picLocks noGrp="1" noChangeAspect="1"/>
-          </p:cNvPicPr>
-          <p:nvPr>
-            <p:ph type="pic" idx="1"/>
-          </p:nvPr>
-        </p:nvPicPr>
-        <p:blipFill>
-          <a:blip r:embed="rId2"/>
-          <a:srcRect l="2658" r="2658"/>
-          <a:stretch>
-            <a:fillRect/>
-          </a:stretch>
-        </p:blipFill>
-        <p:spPr>
-          <a:xfrm>
-            <a:off x="285720" y="571480"/>
-            <a:ext cx="8501122" cy="5786477"/>
-          </a:xfrm>
-        </p:spPr>
-      </p:pic>
-      <p:sp>
-        <p:nvSpPr>
-          <p:cNvPr id="4" name="Espace réservé du texte 3"/>
-          <p:cNvSpPr>
-            <a:spLocks noGrp="1"/>
-          </p:cNvSpPr>
-          <p:nvPr>
-            <p:ph type="body" sz="half" idx="2"/>
-          </p:nvPr>
-        </p:nvSpPr>
-        <p:spPr/>
-        <p:txBody>
-          <a:bodyPr/>
-          <a:lstStyle/>
-          <a:p>
-            <a:endParaRPr lang="fr-FR"/>
-          </a:p>
-        </p:txBody>
-      </p:sp>
-    </p:spTree>
-  </p:cSld>
-  <p:clrMapOvr>
-    <a:masterClrMapping/>
-  </p:clrMapOvr>
-  <p:timing>
-    <p:tnLst>
-      <p:par>
-        <p:cTn id="1" dur="indefinite" restart="never" nodeType="tmRoot"/>
-      </p:par>
-    </p:tnLst>
-  </p:timing>
-</p:sld>
-</file>
-
-<file path=ppt/slides/slide15.xml><?xml version="1.0" encoding="utf-8"?>
-<p:sld xmlns:a="http://schemas.openxmlformats.org/drawingml/2006/main" xmlns:r="http://schemas.openxmlformats.org/officeDocument/2006/relationships" xmlns:p="http://schemas.openxmlformats.org/presentationml/2006/main">
-  <p:cSld>
-    <p:spTree>
-      <p:nvGrpSpPr>
-        <p:cNvPr id="1" name=""/>
-        <p:cNvGrpSpPr/>
-        <p:nvPr/>
-      </p:nvGrpSpPr>
-      <p:grpSpPr>
-        <a:xfrm>
-          <a:off x="0" y="0"/>
-          <a:ext cx="0" cy="0"/>
-          <a:chOff x="0" y="0"/>
-          <a:chExt cx="0" cy="0"/>
-        </a:xfrm>
-      </p:grpSpPr>
-      <p:sp>
-        <p:nvSpPr>
-          <p:cNvPr id="2" name="Titre 1"/>
-          <p:cNvSpPr>
-            <a:spLocks noGrp="1"/>
-          </p:cNvSpPr>
-          <p:nvPr>
-            <p:ph type="title"/>
-          </p:nvPr>
-        </p:nvSpPr>
-        <p:spPr/>
-        <p:txBody>
-          <a:bodyPr/>
-          <a:lstStyle/>
-          <a:p>
-            <a:endParaRPr lang="fr-FR"/>
-          </a:p>
-        </p:txBody>
-      </p:sp>
-      <p:pic>
-        <p:nvPicPr>
-          <p:cNvPr id="5" name="Espace réservé pour une image  4" descr="Capture13.PNG"/>
-          <p:cNvPicPr>
-            <a:picLocks noGrp="1" noChangeAspect="1"/>
-          </p:cNvPicPr>
-          <p:nvPr>
-            <p:ph type="pic" idx="1"/>
-          </p:nvPr>
-        </p:nvPicPr>
-        <p:blipFill>
-          <a:blip r:embed="rId2"/>
-          <a:srcRect l="1743" r="1743"/>
-          <a:stretch>
-            <a:fillRect/>
-          </a:stretch>
-        </p:blipFill>
-        <p:spPr>
-          <a:xfrm>
-            <a:off x="357158" y="571480"/>
-            <a:ext cx="8286808" cy="5786477"/>
-          </a:xfrm>
-        </p:spPr>
-      </p:pic>
-      <p:sp>
-        <p:nvSpPr>
-          <p:cNvPr id="4" name="Espace réservé du texte 3"/>
-          <p:cNvSpPr>
-            <a:spLocks noGrp="1"/>
-          </p:cNvSpPr>
-          <p:nvPr>
-            <p:ph type="body" sz="half" idx="2"/>
-          </p:nvPr>
-        </p:nvSpPr>
-        <p:spPr>
-          <a:xfrm>
-            <a:off x="3857620" y="1928802"/>
-            <a:ext cx="4419600" cy="762000"/>
-          </a:xfrm>
-        </p:spPr>
-        <p:txBody>
-          <a:bodyPr/>
-          <a:lstStyle/>
-          <a:p>
-            <a:r>
-              <a:rPr lang="en-US" dirty="0" smtClean="0"/>
-              <a:t>.</a:t>
-            </a:r>
-            <a:endParaRPr lang="fr-FR" dirty="0"/>
-          </a:p>
-        </p:txBody>
-      </p:sp>
-    </p:spTree>
   </p:cSld>
   <p:clrMapOvr>
     <a:masterClrMapping/>
@@ -5002,6 +4363,9 @@
             </a:r>
           </a:p>
           <a:p>
+            <a:pPr>
+              <a:buNone/>
+            </a:pPr>
             <a:endParaRPr lang="fr-FR" dirty="0"/>
           </a:p>
         </p:txBody>
@@ -5012,706 +4376,6 @@
         <p14:creationId xmlns="" xmlns:p14="http://schemas.microsoft.com/office/powerpoint/2010/main" val="1226743833"/>
       </p:ext>
     </p:extLst>
-  </p:cSld>
-  <p:clrMapOvr>
-    <a:masterClrMapping/>
-  </p:clrMapOvr>
-  <p:timing>
-    <p:tnLst>
-      <p:par>
-        <p:cTn id="1" dur="indefinite" restart="never" nodeType="tmRoot"/>
-      </p:par>
-    </p:tnLst>
-  </p:timing>
-</p:sld>
-</file>
-
-<file path=ppt/slides/slide3.xml><?xml version="1.0" encoding="utf-8"?>
-<p:sld xmlns:a="http://schemas.openxmlformats.org/drawingml/2006/main" xmlns:r="http://schemas.openxmlformats.org/officeDocument/2006/relationships" xmlns:p="http://schemas.openxmlformats.org/presentationml/2006/main">
-  <p:cSld>
-    <p:spTree>
-      <p:nvGrpSpPr>
-        <p:cNvPr id="1" name=""/>
-        <p:cNvGrpSpPr/>
-        <p:nvPr/>
-      </p:nvGrpSpPr>
-      <p:grpSpPr>
-        <a:xfrm>
-          <a:off x="0" y="0"/>
-          <a:ext cx="0" cy="0"/>
-          <a:chOff x="0" y="0"/>
-          <a:chExt cx="0" cy="0"/>
-        </a:xfrm>
-      </p:grpSpPr>
-      <p:sp>
-        <p:nvSpPr>
-          <p:cNvPr id="2" name="Titre 1"/>
-          <p:cNvSpPr>
-            <a:spLocks noGrp="1"/>
-          </p:cNvSpPr>
-          <p:nvPr>
-            <p:ph type="title"/>
-          </p:nvPr>
-        </p:nvSpPr>
-        <p:spPr/>
-        <p:txBody>
-          <a:bodyPr/>
-          <a:lstStyle/>
-          <a:p>
-            <a:endParaRPr lang="fr-FR" dirty="0"/>
-          </a:p>
-        </p:txBody>
-      </p:sp>
-      <p:pic>
-        <p:nvPicPr>
-          <p:cNvPr id="5" name="Espace réservé pour une image  4" descr="Capture1.PNG"/>
-          <p:cNvPicPr>
-            <a:picLocks noGrp="1" noChangeAspect="1"/>
-          </p:cNvPicPr>
-          <p:nvPr>
-            <p:ph type="pic" idx="1"/>
-          </p:nvPr>
-        </p:nvPicPr>
-        <p:blipFill>
-          <a:blip r:embed="rId2"/>
-          <a:srcRect l="2193" r="2193"/>
-          <a:stretch>
-            <a:fillRect/>
-          </a:stretch>
-        </p:blipFill>
-        <p:spPr>
-          <a:xfrm>
-            <a:off x="285720" y="857233"/>
-            <a:ext cx="8643998" cy="5715040"/>
-          </a:xfrm>
-        </p:spPr>
-      </p:pic>
-      <p:sp>
-        <p:nvSpPr>
-          <p:cNvPr id="4" name="Espace réservé du texte 3"/>
-          <p:cNvSpPr>
-            <a:spLocks noGrp="1"/>
-          </p:cNvSpPr>
-          <p:nvPr>
-            <p:ph type="body" sz="half" idx="2"/>
-          </p:nvPr>
-        </p:nvSpPr>
-        <p:spPr>
-          <a:xfrm>
-            <a:off x="214282" y="214290"/>
-            <a:ext cx="8572560" cy="776278"/>
-          </a:xfrm>
-        </p:spPr>
-        <p:txBody>
-          <a:bodyPr>
-            <a:normAutofit/>
-          </a:bodyPr>
-          <a:lstStyle/>
-          <a:p>
-            <a:r>
-              <a:rPr lang="en-US" sz="5400" dirty="0" smtClean="0">
-                <a:solidFill>
-                  <a:srgbClr val="0070C0"/>
-                </a:solidFill>
-              </a:rPr>
-              <a:t>L'instalation de SQL Server</a:t>
-            </a:r>
-            <a:endParaRPr lang="fr-FR" sz="5400" dirty="0">
-              <a:solidFill>
-                <a:srgbClr val="0070C0"/>
-              </a:solidFill>
-            </a:endParaRPr>
-          </a:p>
-        </p:txBody>
-      </p:sp>
-    </p:spTree>
-  </p:cSld>
-  <p:clrMapOvr>
-    <a:masterClrMapping/>
-  </p:clrMapOvr>
-  <p:timing>
-    <p:tnLst>
-      <p:par>
-        <p:cTn id="1" dur="indefinite" restart="never" nodeType="tmRoot"/>
-      </p:par>
-    </p:tnLst>
-  </p:timing>
-</p:sld>
-</file>
-
-<file path=ppt/slides/slide4.xml><?xml version="1.0" encoding="utf-8"?>
-<p:sld xmlns:a="http://schemas.openxmlformats.org/drawingml/2006/main" xmlns:r="http://schemas.openxmlformats.org/officeDocument/2006/relationships" xmlns:p="http://schemas.openxmlformats.org/presentationml/2006/main">
-  <p:cSld>
-    <p:spTree>
-      <p:nvGrpSpPr>
-        <p:cNvPr id="1" name=""/>
-        <p:cNvGrpSpPr/>
-        <p:nvPr/>
-      </p:nvGrpSpPr>
-      <p:grpSpPr>
-        <a:xfrm>
-          <a:off x="0" y="0"/>
-          <a:ext cx="0" cy="0"/>
-          <a:chOff x="0" y="0"/>
-          <a:chExt cx="0" cy="0"/>
-        </a:xfrm>
-      </p:grpSpPr>
-      <p:sp>
-        <p:nvSpPr>
-          <p:cNvPr id="2" name="Titre 1"/>
-          <p:cNvSpPr>
-            <a:spLocks noGrp="1"/>
-          </p:cNvSpPr>
-          <p:nvPr>
-            <p:ph type="title"/>
-          </p:nvPr>
-        </p:nvSpPr>
-        <p:spPr/>
-        <p:txBody>
-          <a:bodyPr/>
-          <a:lstStyle/>
-          <a:p>
-            <a:endParaRPr lang="fr-FR"/>
-          </a:p>
-        </p:txBody>
-      </p:sp>
-      <p:pic>
-        <p:nvPicPr>
-          <p:cNvPr id="5" name="Espace réservé pour une image  4" descr="Capture2.PNG"/>
-          <p:cNvPicPr>
-            <a:picLocks noGrp="1" noChangeAspect="1"/>
-          </p:cNvPicPr>
-          <p:nvPr>
-            <p:ph type="pic" idx="1"/>
-          </p:nvPr>
-        </p:nvPicPr>
-        <p:blipFill>
-          <a:blip r:embed="rId2"/>
-          <a:srcRect l="3266" r="3266"/>
-          <a:stretch>
-            <a:fillRect/>
-          </a:stretch>
-        </p:blipFill>
-        <p:spPr>
-          <a:xfrm>
-            <a:off x="357158" y="357166"/>
-            <a:ext cx="8429684" cy="6215106"/>
-          </a:xfrm>
-        </p:spPr>
-      </p:pic>
-      <p:sp>
-        <p:nvSpPr>
-          <p:cNvPr id="4" name="Espace réservé du texte 3"/>
-          <p:cNvSpPr>
-            <a:spLocks noGrp="1"/>
-          </p:cNvSpPr>
-          <p:nvPr>
-            <p:ph type="body" sz="half" idx="2"/>
-          </p:nvPr>
-        </p:nvSpPr>
-        <p:spPr/>
-        <p:txBody>
-          <a:bodyPr/>
-          <a:lstStyle/>
-          <a:p>
-            <a:r>
-              <a:rPr lang="en-US" dirty="0" smtClean="0"/>
-              <a:t>.</a:t>
-            </a:r>
-          </a:p>
-        </p:txBody>
-      </p:sp>
-    </p:spTree>
-  </p:cSld>
-  <p:clrMapOvr>
-    <a:masterClrMapping/>
-  </p:clrMapOvr>
-  <p:timing>
-    <p:tnLst>
-      <p:par>
-        <p:cTn id="1" dur="indefinite" restart="never" nodeType="tmRoot"/>
-      </p:par>
-    </p:tnLst>
-  </p:timing>
-</p:sld>
-</file>
-
-<file path=ppt/slides/slide5.xml><?xml version="1.0" encoding="utf-8"?>
-<p:sld xmlns:a="http://schemas.openxmlformats.org/drawingml/2006/main" xmlns:r="http://schemas.openxmlformats.org/officeDocument/2006/relationships" xmlns:p="http://schemas.openxmlformats.org/presentationml/2006/main">
-  <p:cSld>
-    <p:spTree>
-      <p:nvGrpSpPr>
-        <p:cNvPr id="1" name=""/>
-        <p:cNvGrpSpPr/>
-        <p:nvPr/>
-      </p:nvGrpSpPr>
-      <p:grpSpPr>
-        <a:xfrm>
-          <a:off x="0" y="0"/>
-          <a:ext cx="0" cy="0"/>
-          <a:chOff x="0" y="0"/>
-          <a:chExt cx="0" cy="0"/>
-        </a:xfrm>
-      </p:grpSpPr>
-      <p:sp>
-        <p:nvSpPr>
-          <p:cNvPr id="2" name="Titre 1"/>
-          <p:cNvSpPr>
-            <a:spLocks noGrp="1"/>
-          </p:cNvSpPr>
-          <p:nvPr>
-            <p:ph type="title"/>
-          </p:nvPr>
-        </p:nvSpPr>
-        <p:spPr/>
-        <p:txBody>
-          <a:bodyPr/>
-          <a:lstStyle/>
-          <a:p>
-            <a:endParaRPr lang="fr-FR"/>
-          </a:p>
-        </p:txBody>
-      </p:sp>
-      <p:pic>
-        <p:nvPicPr>
-          <p:cNvPr id="5" name="Espace réservé pour une image  4" descr="Capture3.PNG"/>
-          <p:cNvPicPr>
-            <a:picLocks noGrp="1" noChangeAspect="1"/>
-          </p:cNvPicPr>
-          <p:nvPr>
-            <p:ph type="pic" idx="1"/>
-          </p:nvPr>
-        </p:nvPicPr>
-        <p:blipFill>
-          <a:blip r:embed="rId2"/>
-          <a:srcRect l="2448" r="2448"/>
-          <a:stretch>
-            <a:fillRect/>
-          </a:stretch>
-        </p:blipFill>
-        <p:spPr>
-          <a:xfrm>
-            <a:off x="285720" y="571480"/>
-            <a:ext cx="8429684" cy="5857915"/>
-          </a:xfrm>
-        </p:spPr>
-      </p:pic>
-      <p:sp>
-        <p:nvSpPr>
-          <p:cNvPr id="4" name="Espace réservé du texte 3"/>
-          <p:cNvSpPr>
-            <a:spLocks noGrp="1"/>
-          </p:cNvSpPr>
-          <p:nvPr>
-            <p:ph type="body" sz="half" idx="2"/>
-          </p:nvPr>
-        </p:nvSpPr>
-        <p:spPr/>
-        <p:txBody>
-          <a:bodyPr/>
-          <a:lstStyle/>
-          <a:p>
-            <a:r>
-              <a:rPr lang="en-US" dirty="0" smtClean="0"/>
-              <a:t>.</a:t>
-            </a:r>
-            <a:endParaRPr lang="fr-FR" dirty="0"/>
-          </a:p>
-        </p:txBody>
-      </p:sp>
-    </p:spTree>
-  </p:cSld>
-  <p:clrMapOvr>
-    <a:masterClrMapping/>
-  </p:clrMapOvr>
-  <p:timing>
-    <p:tnLst>
-      <p:par>
-        <p:cTn id="1" dur="indefinite" restart="never" nodeType="tmRoot"/>
-      </p:par>
-    </p:tnLst>
-  </p:timing>
-</p:sld>
-</file>
-
-<file path=ppt/slides/slide6.xml><?xml version="1.0" encoding="utf-8"?>
-<p:sld xmlns:a="http://schemas.openxmlformats.org/drawingml/2006/main" xmlns:r="http://schemas.openxmlformats.org/officeDocument/2006/relationships" xmlns:p="http://schemas.openxmlformats.org/presentationml/2006/main">
-  <p:cSld>
-    <p:spTree>
-      <p:nvGrpSpPr>
-        <p:cNvPr id="1" name=""/>
-        <p:cNvGrpSpPr/>
-        <p:nvPr/>
-      </p:nvGrpSpPr>
-      <p:grpSpPr>
-        <a:xfrm>
-          <a:off x="0" y="0"/>
-          <a:ext cx="0" cy="0"/>
-          <a:chOff x="0" y="0"/>
-          <a:chExt cx="0" cy="0"/>
-        </a:xfrm>
-      </p:grpSpPr>
-      <p:sp>
-        <p:nvSpPr>
-          <p:cNvPr id="2" name="Titre 1"/>
-          <p:cNvSpPr>
-            <a:spLocks noGrp="1"/>
-          </p:cNvSpPr>
-          <p:nvPr>
-            <p:ph type="title"/>
-          </p:nvPr>
-        </p:nvSpPr>
-        <p:spPr/>
-        <p:txBody>
-          <a:bodyPr/>
-          <a:lstStyle/>
-          <a:p>
-            <a:endParaRPr lang="fr-FR"/>
-          </a:p>
-        </p:txBody>
-      </p:sp>
-      <p:pic>
-        <p:nvPicPr>
-          <p:cNvPr id="5" name="Espace réservé pour une image  4" descr="Capture4.PNG"/>
-          <p:cNvPicPr>
-            <a:picLocks noGrp="1" noChangeAspect="1"/>
-          </p:cNvPicPr>
-          <p:nvPr>
-            <p:ph type="pic" idx="1"/>
-          </p:nvPr>
-        </p:nvPicPr>
-        <p:blipFill>
-          <a:blip r:embed="rId2"/>
-          <a:srcRect l="2448" r="2448"/>
-          <a:stretch>
-            <a:fillRect/>
-          </a:stretch>
-        </p:blipFill>
-        <p:spPr>
-          <a:xfrm>
-            <a:off x="500034" y="714356"/>
-            <a:ext cx="8091518" cy="5500726"/>
-          </a:xfrm>
-        </p:spPr>
-      </p:pic>
-      <p:sp>
-        <p:nvSpPr>
-          <p:cNvPr id="4" name="Espace réservé du texte 3"/>
-          <p:cNvSpPr>
-            <a:spLocks noGrp="1"/>
-          </p:cNvSpPr>
-          <p:nvPr>
-            <p:ph type="body" sz="half" idx="2"/>
-          </p:nvPr>
-        </p:nvSpPr>
-        <p:spPr/>
-        <p:txBody>
-          <a:bodyPr/>
-          <a:lstStyle/>
-          <a:p>
-            <a:r>
-              <a:rPr lang="en-US" dirty="0" smtClean="0"/>
-              <a:t>.</a:t>
-            </a:r>
-            <a:endParaRPr lang="fr-FR" dirty="0"/>
-          </a:p>
-        </p:txBody>
-      </p:sp>
-    </p:spTree>
-  </p:cSld>
-  <p:clrMapOvr>
-    <a:masterClrMapping/>
-  </p:clrMapOvr>
-  <p:timing>
-    <p:tnLst>
-      <p:par>
-        <p:cTn id="1" dur="indefinite" restart="never" nodeType="tmRoot"/>
-      </p:par>
-    </p:tnLst>
-  </p:timing>
-</p:sld>
-</file>
-
-<file path=ppt/slides/slide7.xml><?xml version="1.0" encoding="utf-8"?>
-<p:sld xmlns:a="http://schemas.openxmlformats.org/drawingml/2006/main" xmlns:r="http://schemas.openxmlformats.org/officeDocument/2006/relationships" xmlns:p="http://schemas.openxmlformats.org/presentationml/2006/main">
-  <p:cSld>
-    <p:spTree>
-      <p:nvGrpSpPr>
-        <p:cNvPr id="1" name=""/>
-        <p:cNvGrpSpPr/>
-        <p:nvPr/>
-      </p:nvGrpSpPr>
-      <p:grpSpPr>
-        <a:xfrm>
-          <a:off x="0" y="0"/>
-          <a:ext cx="0" cy="0"/>
-          <a:chOff x="0" y="0"/>
-          <a:chExt cx="0" cy="0"/>
-        </a:xfrm>
-      </p:grpSpPr>
-      <p:sp>
-        <p:nvSpPr>
-          <p:cNvPr id="2" name="Titre 1"/>
-          <p:cNvSpPr>
-            <a:spLocks noGrp="1"/>
-          </p:cNvSpPr>
-          <p:nvPr>
-            <p:ph type="title"/>
-          </p:nvPr>
-        </p:nvSpPr>
-        <p:spPr/>
-        <p:txBody>
-          <a:bodyPr/>
-          <a:lstStyle/>
-          <a:p>
-            <a:endParaRPr lang="fr-FR"/>
-          </a:p>
-        </p:txBody>
-      </p:sp>
-      <p:pic>
-        <p:nvPicPr>
-          <p:cNvPr id="5" name="Espace réservé pour une image  4" descr="Capture5.PNG"/>
-          <p:cNvPicPr>
-            <a:picLocks noGrp="1" noChangeAspect="1"/>
-          </p:cNvPicPr>
-          <p:nvPr>
-            <p:ph type="pic" idx="1"/>
-          </p:nvPr>
-        </p:nvPicPr>
-        <p:blipFill>
-          <a:blip r:embed="rId2"/>
-          <a:srcRect l="2870" r="2870"/>
-          <a:stretch>
-            <a:fillRect/>
-          </a:stretch>
-        </p:blipFill>
-        <p:spPr>
-          <a:xfrm>
-            <a:off x="428596" y="571480"/>
-            <a:ext cx="8358246" cy="5929353"/>
-          </a:xfrm>
-        </p:spPr>
-      </p:pic>
-      <p:sp>
-        <p:nvSpPr>
-          <p:cNvPr id="4" name="Espace réservé du texte 3"/>
-          <p:cNvSpPr>
-            <a:spLocks noGrp="1"/>
-          </p:cNvSpPr>
-          <p:nvPr>
-            <p:ph type="body" sz="half" idx="2"/>
-          </p:nvPr>
-        </p:nvSpPr>
-        <p:spPr/>
-        <p:txBody>
-          <a:bodyPr/>
-          <a:lstStyle/>
-          <a:p>
-            <a:r>
-              <a:rPr lang="en-US" dirty="0" smtClean="0"/>
-              <a:t>.</a:t>
-            </a:r>
-            <a:endParaRPr lang="fr-FR" dirty="0"/>
-          </a:p>
-        </p:txBody>
-      </p:sp>
-    </p:spTree>
-  </p:cSld>
-  <p:clrMapOvr>
-    <a:masterClrMapping/>
-  </p:clrMapOvr>
-  <p:timing>
-    <p:tnLst>
-      <p:par>
-        <p:cTn id="1" dur="indefinite" restart="never" nodeType="tmRoot"/>
-      </p:par>
-    </p:tnLst>
-  </p:timing>
-</p:sld>
-</file>
-
-<file path=ppt/slides/slide8.xml><?xml version="1.0" encoding="utf-8"?>
-<p:sld xmlns:a="http://schemas.openxmlformats.org/drawingml/2006/main" xmlns:r="http://schemas.openxmlformats.org/officeDocument/2006/relationships" xmlns:p="http://schemas.openxmlformats.org/presentationml/2006/main">
-  <p:cSld>
-    <p:spTree>
-      <p:nvGrpSpPr>
-        <p:cNvPr id="1" name=""/>
-        <p:cNvGrpSpPr/>
-        <p:nvPr/>
-      </p:nvGrpSpPr>
-      <p:grpSpPr>
-        <a:xfrm>
-          <a:off x="0" y="0"/>
-          <a:ext cx="0" cy="0"/>
-          <a:chOff x="0" y="0"/>
-          <a:chExt cx="0" cy="0"/>
-        </a:xfrm>
-      </p:grpSpPr>
-      <p:sp>
-        <p:nvSpPr>
-          <p:cNvPr id="2" name="Titre 1"/>
-          <p:cNvSpPr>
-            <a:spLocks noGrp="1"/>
-          </p:cNvSpPr>
-          <p:nvPr>
-            <p:ph type="title"/>
-          </p:nvPr>
-        </p:nvSpPr>
-        <p:spPr/>
-        <p:txBody>
-          <a:bodyPr/>
-          <a:lstStyle/>
-          <a:p>
-            <a:endParaRPr lang="fr-FR"/>
-          </a:p>
-        </p:txBody>
-      </p:sp>
-      <p:pic>
-        <p:nvPicPr>
-          <p:cNvPr id="5" name="Espace réservé pour une image  4" descr="Capture6.PNG"/>
-          <p:cNvPicPr>
-            <a:picLocks noGrp="1" noChangeAspect="1"/>
-          </p:cNvPicPr>
-          <p:nvPr>
-            <p:ph type="pic" idx="1"/>
-          </p:nvPr>
-        </p:nvPicPr>
-        <p:blipFill>
-          <a:blip r:embed="rId2"/>
-          <a:srcRect l="2795" r="2795"/>
-          <a:stretch>
-            <a:fillRect/>
-          </a:stretch>
-        </p:blipFill>
-        <p:spPr>
-          <a:xfrm>
-            <a:off x="428596" y="714356"/>
-            <a:ext cx="8286808" cy="5786477"/>
-          </a:xfrm>
-        </p:spPr>
-      </p:pic>
-      <p:sp>
-        <p:nvSpPr>
-          <p:cNvPr id="4" name="Espace réservé du texte 3"/>
-          <p:cNvSpPr>
-            <a:spLocks noGrp="1"/>
-          </p:cNvSpPr>
-          <p:nvPr>
-            <p:ph type="body" sz="half" idx="2"/>
-          </p:nvPr>
-        </p:nvSpPr>
-        <p:spPr/>
-        <p:txBody>
-          <a:bodyPr/>
-          <a:lstStyle/>
-          <a:p>
-            <a:r>
-              <a:rPr lang="en-US" dirty="0" smtClean="0"/>
-              <a:t>.</a:t>
-            </a:r>
-            <a:endParaRPr lang="fr-FR" dirty="0"/>
-          </a:p>
-        </p:txBody>
-      </p:sp>
-    </p:spTree>
-  </p:cSld>
-  <p:clrMapOvr>
-    <a:masterClrMapping/>
-  </p:clrMapOvr>
-  <p:timing>
-    <p:tnLst>
-      <p:par>
-        <p:cTn id="1" dur="indefinite" restart="never" nodeType="tmRoot"/>
-      </p:par>
-    </p:tnLst>
-  </p:timing>
-</p:sld>
-</file>
-
-<file path=ppt/slides/slide9.xml><?xml version="1.0" encoding="utf-8"?>
-<p:sld xmlns:a="http://schemas.openxmlformats.org/drawingml/2006/main" xmlns:r="http://schemas.openxmlformats.org/officeDocument/2006/relationships" xmlns:p="http://schemas.openxmlformats.org/presentationml/2006/main">
-  <p:cSld>
-    <p:spTree>
-      <p:nvGrpSpPr>
-        <p:cNvPr id="1" name=""/>
-        <p:cNvGrpSpPr/>
-        <p:nvPr/>
-      </p:nvGrpSpPr>
-      <p:grpSpPr>
-        <a:xfrm>
-          <a:off x="0" y="0"/>
-          <a:ext cx="0" cy="0"/>
-          <a:chOff x="0" y="0"/>
-          <a:chExt cx="0" cy="0"/>
-        </a:xfrm>
-      </p:grpSpPr>
-      <p:sp>
-        <p:nvSpPr>
-          <p:cNvPr id="2" name="Titre 1"/>
-          <p:cNvSpPr>
-            <a:spLocks noGrp="1"/>
-          </p:cNvSpPr>
-          <p:nvPr>
-            <p:ph type="title"/>
-          </p:nvPr>
-        </p:nvSpPr>
-        <p:spPr/>
-        <p:txBody>
-          <a:bodyPr/>
-          <a:lstStyle/>
-          <a:p>
-            <a:endParaRPr lang="fr-FR"/>
-          </a:p>
-        </p:txBody>
-      </p:sp>
-      <p:pic>
-        <p:nvPicPr>
-          <p:cNvPr id="5" name="Espace réservé pour une image  4" descr="Capture7.PNG"/>
-          <p:cNvPicPr>
-            <a:picLocks noGrp="1" noChangeAspect="1"/>
-          </p:cNvPicPr>
-          <p:nvPr>
-            <p:ph type="pic" idx="1"/>
-          </p:nvPr>
-        </p:nvPicPr>
-        <p:blipFill>
-          <a:blip r:embed="rId2"/>
-          <a:srcRect l="3195" r="3195"/>
-          <a:stretch>
-            <a:fillRect/>
-          </a:stretch>
-        </p:blipFill>
-        <p:spPr>
-          <a:xfrm>
-            <a:off x="357158" y="571480"/>
-            <a:ext cx="8501122" cy="6000791"/>
-          </a:xfrm>
-        </p:spPr>
-      </p:pic>
-      <p:sp>
-        <p:nvSpPr>
-          <p:cNvPr id="4" name="Espace réservé du texte 3"/>
-          <p:cNvSpPr>
-            <a:spLocks noGrp="1"/>
-          </p:cNvSpPr>
-          <p:nvPr>
-            <p:ph type="body" sz="half" idx="2"/>
-          </p:nvPr>
-        </p:nvSpPr>
-        <p:spPr/>
-        <p:txBody>
-          <a:bodyPr/>
-          <a:lstStyle/>
-          <a:p>
-            <a:r>
-              <a:rPr lang="en-US" dirty="0" smtClean="0"/>
-              <a:t>.</a:t>
-            </a:r>
-            <a:endParaRPr lang="fr-FR" dirty="0"/>
-          </a:p>
-        </p:txBody>
-      </p:sp>
-    </p:spTree>
   </p:cSld>
   <p:clrMapOvr>
     <a:masterClrMapping/>
